--- a/中越詩歌/平安夜 Đêm yên lặng.pptx
+++ b/中越詩歌/平安夜 Đêm yên lặng.pptx
@@ -122,6 +122,11 @@
       </a:defRPr>
     </a:lvl9pPr>
   </p:defaultTextStyle>
+  <p:extLst>
+    <p:ext uri="{EFAFB233-063F-42B5-8137-9DF3F51BA10A}">
+      <p15:sldGuideLst xmlns:p15="http://schemas.microsoft.com/office/powerpoint/2012/main"/>
+    </p:ext>
+  </p:extLst>
 </p:presentation>
 </file>
 
@@ -306,7 +311,7 @@
           <a:p>
             <a:fld id="{0B121D9E-9EE4-4677-A138-19464299E72E}" type="datetimeFigureOut">
               <a:rPr lang="vi-VN" smtClean="0"/>
-              <a:t>18/12/2020</a:t>
+              <a:t>20/12/2021</a:t>
             </a:fld>
             <a:endParaRPr lang="vi-VN"/>
           </a:p>
@@ -476,7 +481,7 @@
           <a:p>
             <a:fld id="{0B121D9E-9EE4-4677-A138-19464299E72E}" type="datetimeFigureOut">
               <a:rPr lang="vi-VN" smtClean="0"/>
-              <a:t>18/12/2020</a:t>
+              <a:t>20/12/2021</a:t>
             </a:fld>
             <a:endParaRPr lang="vi-VN"/>
           </a:p>
@@ -656,7 +661,7 @@
           <a:p>
             <a:fld id="{0B121D9E-9EE4-4677-A138-19464299E72E}" type="datetimeFigureOut">
               <a:rPr lang="vi-VN" smtClean="0"/>
-              <a:t>18/12/2020</a:t>
+              <a:t>20/12/2021</a:t>
             </a:fld>
             <a:endParaRPr lang="vi-VN"/>
           </a:p>
@@ -826,7 +831,7 @@
           <a:p>
             <a:fld id="{0B121D9E-9EE4-4677-A138-19464299E72E}" type="datetimeFigureOut">
               <a:rPr lang="vi-VN" smtClean="0"/>
-              <a:t>18/12/2020</a:t>
+              <a:t>20/12/2021</a:t>
             </a:fld>
             <a:endParaRPr lang="vi-VN"/>
           </a:p>
@@ -1072,7 +1077,7 @@
           <a:p>
             <a:fld id="{0B121D9E-9EE4-4677-A138-19464299E72E}" type="datetimeFigureOut">
               <a:rPr lang="vi-VN" smtClean="0"/>
-              <a:t>18/12/2020</a:t>
+              <a:t>20/12/2021</a:t>
             </a:fld>
             <a:endParaRPr lang="vi-VN"/>
           </a:p>
@@ -1360,7 +1365,7 @@
           <a:p>
             <a:fld id="{0B121D9E-9EE4-4677-A138-19464299E72E}" type="datetimeFigureOut">
               <a:rPr lang="vi-VN" smtClean="0"/>
-              <a:t>18/12/2020</a:t>
+              <a:t>20/12/2021</a:t>
             </a:fld>
             <a:endParaRPr lang="vi-VN"/>
           </a:p>
@@ -1782,7 +1787,7 @@
           <a:p>
             <a:fld id="{0B121D9E-9EE4-4677-A138-19464299E72E}" type="datetimeFigureOut">
               <a:rPr lang="vi-VN" smtClean="0"/>
-              <a:t>18/12/2020</a:t>
+              <a:t>20/12/2021</a:t>
             </a:fld>
             <a:endParaRPr lang="vi-VN"/>
           </a:p>
@@ -1900,7 +1905,7 @@
           <a:p>
             <a:fld id="{0B121D9E-9EE4-4677-A138-19464299E72E}" type="datetimeFigureOut">
               <a:rPr lang="vi-VN" smtClean="0"/>
-              <a:t>18/12/2020</a:t>
+              <a:t>20/12/2021</a:t>
             </a:fld>
             <a:endParaRPr lang="vi-VN"/>
           </a:p>
@@ -1995,7 +2000,7 @@
           <a:p>
             <a:fld id="{0B121D9E-9EE4-4677-A138-19464299E72E}" type="datetimeFigureOut">
               <a:rPr lang="vi-VN" smtClean="0"/>
-              <a:t>18/12/2020</a:t>
+              <a:t>20/12/2021</a:t>
             </a:fld>
             <a:endParaRPr lang="vi-VN"/>
           </a:p>
@@ -2272,7 +2277,7 @@
           <a:p>
             <a:fld id="{0B121D9E-9EE4-4677-A138-19464299E72E}" type="datetimeFigureOut">
               <a:rPr lang="vi-VN" smtClean="0"/>
-              <a:t>18/12/2020</a:t>
+              <a:t>20/12/2021</a:t>
             </a:fld>
             <a:endParaRPr lang="vi-VN"/>
           </a:p>
@@ -2529,7 +2534,7 @@
           <a:p>
             <a:fld id="{0B121D9E-9EE4-4677-A138-19464299E72E}" type="datetimeFigureOut">
               <a:rPr lang="vi-VN" smtClean="0"/>
-              <a:t>18/12/2020</a:t>
+              <a:t>20/12/2021</a:t>
             </a:fld>
             <a:endParaRPr lang="vi-VN"/>
           </a:p>
@@ -2747,7 +2752,7 @@
           <a:p>
             <a:fld id="{0B121D9E-9EE4-4677-A138-19464299E72E}" type="datetimeFigureOut">
               <a:rPr lang="vi-VN" smtClean="0"/>
-              <a:t>18/12/2020</a:t>
+              <a:t>20/12/2021</a:t>
             </a:fld>
             <a:endParaRPr lang="vi-VN"/>
           </a:p>
@@ -3546,14 +3551,14 @@
       </p:sp>
       <p:sp>
         <p:nvSpPr>
-          <p:cNvPr id="4" name="TextBox 3"/>
+          <p:cNvPr id="6" name="TextBox 5"/>
           <p:cNvSpPr txBox="1"/>
           <p:nvPr/>
         </p:nvSpPr>
         <p:spPr>
           <a:xfrm>
-            <a:off x="636815" y="2414586"/>
-            <a:ext cx="865414" cy="923330"/>
+            <a:off x="0" y="5253203"/>
+            <a:ext cx="12192000" cy="748988"/>
           </a:xfrm>
           <a:prstGeom prst="rect">
             <a:avLst/>
@@ -3566,25 +3571,34 @@
           </a:bodyPr>
           <a:lstStyle/>
           <a:p>
-            <a:r>
-              <a:rPr lang="vi-VN" sz="5400" b="1" dirty="0">
-                <a:solidFill>
-                  <a:srgbClr val="660033"/>
-                </a:solidFill>
-              </a:rPr>
-              <a:t>2</a:t>
-            </a:r>
-            <a:r>
-              <a:rPr lang="vi-VN" sz="5400" b="1" dirty="0" smtClean="0">
-                <a:solidFill>
-                  <a:srgbClr val="660033"/>
-                </a:solidFill>
-              </a:rPr>
-              <a:t>.</a:t>
-            </a:r>
-            <a:endParaRPr lang="vi-VN" sz="5400" b="1" dirty="0">
+            <a:pPr algn="ctr"/>
+            <a:r>
+              <a:rPr lang="en-US" sz="4267" b="1" dirty="0">
+                <a:solidFill>
+                  <a:srgbClr val="000066"/>
+                </a:solidFill>
+              </a:rPr>
+              <a:t>( </a:t>
+            </a:r>
+            <a:r>
+              <a:rPr lang="en-US" sz="4267" b="1" dirty="0" smtClean="0">
+                <a:solidFill>
+                  <a:srgbClr val="000066"/>
+                </a:solidFill>
+              </a:rPr>
+              <a:t>2 </a:t>
+            </a:r>
+            <a:r>
+              <a:rPr lang="en-US" sz="4267" b="1" dirty="0">
+                <a:solidFill>
+                  <a:srgbClr val="000066"/>
+                </a:solidFill>
+              </a:rPr>
+              <a:t>)</a:t>
+            </a:r>
+            <a:endParaRPr lang="vi-VN" sz="4267" b="1" dirty="0">
               <a:solidFill>
-                <a:srgbClr val="660033"/>
+                <a:srgbClr val="000066"/>
               </a:solidFill>
             </a:endParaRPr>
           </a:p>
@@ -3852,14 +3866,14 @@
       </p:sp>
       <p:sp>
         <p:nvSpPr>
-          <p:cNvPr id="4" name="TextBox 3"/>
+          <p:cNvPr id="6" name="TextBox 5"/>
           <p:cNvSpPr txBox="1"/>
           <p:nvPr/>
         </p:nvSpPr>
         <p:spPr>
           <a:xfrm>
-            <a:off x="636815" y="2414586"/>
-            <a:ext cx="865414" cy="923330"/>
+            <a:off x="0" y="5253203"/>
+            <a:ext cx="12192000" cy="748988"/>
           </a:xfrm>
           <a:prstGeom prst="rect">
             <a:avLst/>
@@ -3872,25 +3886,34 @@
           </a:bodyPr>
           <a:lstStyle/>
           <a:p>
-            <a:r>
-              <a:rPr lang="vi-VN" sz="5400" b="1" dirty="0">
-                <a:solidFill>
-                  <a:srgbClr val="660033"/>
-                </a:solidFill>
-              </a:rPr>
-              <a:t>2</a:t>
-            </a:r>
-            <a:r>
-              <a:rPr lang="vi-VN" sz="5400" b="1" dirty="0" smtClean="0">
-                <a:solidFill>
-                  <a:srgbClr val="660033"/>
-                </a:solidFill>
-              </a:rPr>
-              <a:t>.</a:t>
-            </a:r>
-            <a:endParaRPr lang="vi-VN" sz="5400" b="1" dirty="0">
+            <a:pPr algn="ctr"/>
+            <a:r>
+              <a:rPr lang="en-US" sz="4267" b="1" dirty="0">
+                <a:solidFill>
+                  <a:srgbClr val="000066"/>
+                </a:solidFill>
+              </a:rPr>
+              <a:t>( </a:t>
+            </a:r>
+            <a:r>
+              <a:rPr lang="en-US" sz="4267" b="1" dirty="0" smtClean="0">
+                <a:solidFill>
+                  <a:srgbClr val="000066"/>
+                </a:solidFill>
+              </a:rPr>
+              <a:t>2 </a:t>
+            </a:r>
+            <a:r>
+              <a:rPr lang="en-US" sz="4267" b="1" dirty="0">
+                <a:solidFill>
+                  <a:srgbClr val="000066"/>
+                </a:solidFill>
+              </a:rPr>
+              <a:t>)</a:t>
+            </a:r>
+            <a:endParaRPr lang="vi-VN" sz="4267" b="1" dirty="0">
               <a:solidFill>
-                <a:srgbClr val="660033"/>
+                <a:srgbClr val="000066"/>
               </a:solidFill>
             </a:endParaRPr>
           </a:p>
@@ -4158,14 +4181,14 @@
       </p:sp>
       <p:sp>
         <p:nvSpPr>
-          <p:cNvPr id="4" name="TextBox 3"/>
+          <p:cNvPr id="6" name="TextBox 5"/>
           <p:cNvSpPr txBox="1"/>
           <p:nvPr/>
         </p:nvSpPr>
         <p:spPr>
           <a:xfrm>
-            <a:off x="636815" y="2414586"/>
-            <a:ext cx="865414" cy="923330"/>
+            <a:off x="0" y="5253203"/>
+            <a:ext cx="12192000" cy="748988"/>
           </a:xfrm>
           <a:prstGeom prst="rect">
             <a:avLst/>
@@ -4178,25 +4201,34 @@
           </a:bodyPr>
           <a:lstStyle/>
           <a:p>
-            <a:r>
-              <a:rPr lang="vi-VN" sz="5400" b="1" dirty="0">
-                <a:solidFill>
-                  <a:srgbClr val="660033"/>
-                </a:solidFill>
-              </a:rPr>
-              <a:t>2</a:t>
-            </a:r>
-            <a:r>
-              <a:rPr lang="vi-VN" sz="5400" b="1" dirty="0" smtClean="0">
-                <a:solidFill>
-                  <a:srgbClr val="660033"/>
-                </a:solidFill>
-              </a:rPr>
-              <a:t>.</a:t>
-            </a:r>
-            <a:endParaRPr lang="vi-VN" sz="5400" b="1" dirty="0">
+            <a:pPr algn="ctr"/>
+            <a:r>
+              <a:rPr lang="en-US" sz="4267" b="1" dirty="0">
+                <a:solidFill>
+                  <a:srgbClr val="000066"/>
+                </a:solidFill>
+              </a:rPr>
+              <a:t>( </a:t>
+            </a:r>
+            <a:r>
+              <a:rPr lang="en-US" sz="4267" b="1" dirty="0" smtClean="0">
+                <a:solidFill>
+                  <a:srgbClr val="000066"/>
+                </a:solidFill>
+              </a:rPr>
+              <a:t>2 </a:t>
+            </a:r>
+            <a:r>
+              <a:rPr lang="en-US" sz="4267" b="1" dirty="0">
+                <a:solidFill>
+                  <a:srgbClr val="000066"/>
+                </a:solidFill>
+              </a:rPr>
+              <a:t>)</a:t>
+            </a:r>
+            <a:endParaRPr lang="vi-VN" sz="4267" b="1" dirty="0">
               <a:solidFill>
-                <a:srgbClr val="660033"/>
+                <a:srgbClr val="000066"/>
               </a:solidFill>
             </a:endParaRPr>
           </a:p>
@@ -4464,14 +4496,14 @@
       </p:sp>
       <p:sp>
         <p:nvSpPr>
-          <p:cNvPr id="4" name="TextBox 3"/>
+          <p:cNvPr id="6" name="TextBox 5"/>
           <p:cNvSpPr txBox="1"/>
           <p:nvPr/>
         </p:nvSpPr>
         <p:spPr>
           <a:xfrm>
-            <a:off x="636815" y="2414586"/>
-            <a:ext cx="865414" cy="923330"/>
+            <a:off x="0" y="5253203"/>
+            <a:ext cx="12192000" cy="748988"/>
           </a:xfrm>
           <a:prstGeom prst="rect">
             <a:avLst/>
@@ -4484,25 +4516,34 @@
           </a:bodyPr>
           <a:lstStyle/>
           <a:p>
-            <a:r>
-              <a:rPr lang="vi-VN" sz="5400" b="1" dirty="0">
-                <a:solidFill>
-                  <a:srgbClr val="660033"/>
-                </a:solidFill>
-              </a:rPr>
-              <a:t>2</a:t>
-            </a:r>
-            <a:r>
-              <a:rPr lang="vi-VN" sz="5400" b="1" dirty="0" smtClean="0">
-                <a:solidFill>
-                  <a:srgbClr val="660033"/>
-                </a:solidFill>
-              </a:rPr>
-              <a:t>.</a:t>
-            </a:r>
-            <a:endParaRPr lang="vi-VN" sz="5400" b="1" dirty="0">
+            <a:pPr algn="ctr"/>
+            <a:r>
+              <a:rPr lang="en-US" sz="4267" b="1" dirty="0">
+                <a:solidFill>
+                  <a:srgbClr val="000066"/>
+                </a:solidFill>
+              </a:rPr>
+              <a:t>( </a:t>
+            </a:r>
+            <a:r>
+              <a:rPr lang="en-US" sz="4267" b="1" dirty="0" smtClean="0">
+                <a:solidFill>
+                  <a:srgbClr val="000066"/>
+                </a:solidFill>
+              </a:rPr>
+              <a:t>2 </a:t>
+            </a:r>
+            <a:r>
+              <a:rPr lang="en-US" sz="4267" b="1" dirty="0">
+                <a:solidFill>
+                  <a:srgbClr val="000066"/>
+                </a:solidFill>
+              </a:rPr>
+              <a:t>)</a:t>
+            </a:r>
+            <a:endParaRPr lang="vi-VN" sz="4267" b="1" dirty="0">
               <a:solidFill>
-                <a:srgbClr val="660033"/>
+                <a:srgbClr val="000066"/>
               </a:solidFill>
             </a:endParaRPr>
           </a:p>
@@ -4821,14 +4862,14 @@
       </p:sp>
       <p:sp>
         <p:nvSpPr>
-          <p:cNvPr id="4" name="TextBox 3"/>
+          <p:cNvPr id="6" name="TextBox 5"/>
           <p:cNvSpPr txBox="1"/>
           <p:nvPr/>
         </p:nvSpPr>
         <p:spPr>
           <a:xfrm>
-            <a:off x="636815" y="2414586"/>
-            <a:ext cx="865414" cy="923330"/>
+            <a:off x="0" y="5253203"/>
+            <a:ext cx="12192000" cy="748988"/>
           </a:xfrm>
           <a:prstGeom prst="rect">
             <a:avLst/>
@@ -4841,25 +4882,34 @@
           </a:bodyPr>
           <a:lstStyle/>
           <a:p>
-            <a:r>
-              <a:rPr lang="vi-VN" sz="5400" b="1" dirty="0" smtClean="0">
-                <a:solidFill>
-                  <a:srgbClr val="660033"/>
-                </a:solidFill>
-              </a:rPr>
-              <a:t>3</a:t>
-            </a:r>
-            <a:r>
-              <a:rPr lang="vi-VN" sz="5400" b="1" dirty="0" smtClean="0">
-                <a:solidFill>
-                  <a:srgbClr val="660033"/>
-                </a:solidFill>
-              </a:rPr>
-              <a:t>.</a:t>
-            </a:r>
-            <a:endParaRPr lang="vi-VN" sz="5400" b="1" dirty="0">
+            <a:pPr algn="ctr"/>
+            <a:r>
+              <a:rPr lang="en-US" sz="4267" b="1" dirty="0">
+                <a:solidFill>
+                  <a:srgbClr val="000066"/>
+                </a:solidFill>
+              </a:rPr>
+              <a:t>( </a:t>
+            </a:r>
+            <a:r>
+              <a:rPr lang="en-US" sz="4267" b="1" dirty="0" smtClean="0">
+                <a:solidFill>
+                  <a:srgbClr val="000066"/>
+                </a:solidFill>
+              </a:rPr>
+              <a:t>3 </a:t>
+            </a:r>
+            <a:r>
+              <a:rPr lang="en-US" sz="4267" b="1" dirty="0">
+                <a:solidFill>
+                  <a:srgbClr val="000066"/>
+                </a:solidFill>
+              </a:rPr>
+              <a:t>)</a:t>
+            </a:r>
+            <a:endParaRPr lang="vi-VN" sz="4267" b="1" dirty="0">
               <a:solidFill>
-                <a:srgbClr val="660033"/>
+                <a:srgbClr val="000066"/>
               </a:solidFill>
             </a:endParaRPr>
           </a:p>
@@ -5147,14 +5197,14 @@
       </p:sp>
       <p:sp>
         <p:nvSpPr>
-          <p:cNvPr id="4" name="TextBox 3"/>
+          <p:cNvPr id="6" name="TextBox 5"/>
           <p:cNvSpPr txBox="1"/>
           <p:nvPr/>
         </p:nvSpPr>
         <p:spPr>
           <a:xfrm>
-            <a:off x="636815" y="2414586"/>
-            <a:ext cx="865414" cy="923330"/>
+            <a:off x="0" y="5253203"/>
+            <a:ext cx="12192000" cy="748988"/>
           </a:xfrm>
           <a:prstGeom prst="rect">
             <a:avLst/>
@@ -5167,25 +5217,34 @@
           </a:bodyPr>
           <a:lstStyle/>
           <a:p>
-            <a:r>
-              <a:rPr lang="vi-VN" sz="5400" b="1" dirty="0" smtClean="0">
-                <a:solidFill>
-                  <a:srgbClr val="660033"/>
-                </a:solidFill>
-              </a:rPr>
-              <a:t>3</a:t>
-            </a:r>
-            <a:r>
-              <a:rPr lang="vi-VN" sz="5400" b="1" dirty="0" smtClean="0">
-                <a:solidFill>
-                  <a:srgbClr val="660033"/>
-                </a:solidFill>
-              </a:rPr>
-              <a:t>.</a:t>
-            </a:r>
-            <a:endParaRPr lang="vi-VN" sz="5400" b="1" dirty="0">
+            <a:pPr algn="ctr"/>
+            <a:r>
+              <a:rPr lang="en-US" sz="4267" b="1" dirty="0">
+                <a:solidFill>
+                  <a:srgbClr val="000066"/>
+                </a:solidFill>
+              </a:rPr>
+              <a:t>( </a:t>
+            </a:r>
+            <a:r>
+              <a:rPr lang="en-US" sz="4267" b="1" dirty="0" smtClean="0">
+                <a:solidFill>
+                  <a:srgbClr val="000066"/>
+                </a:solidFill>
+              </a:rPr>
+              <a:t>3 </a:t>
+            </a:r>
+            <a:r>
+              <a:rPr lang="en-US" sz="4267" b="1" dirty="0">
+                <a:solidFill>
+                  <a:srgbClr val="000066"/>
+                </a:solidFill>
+              </a:rPr>
+              <a:t>)</a:t>
+            </a:r>
+            <a:endParaRPr lang="vi-VN" sz="4267" b="1" dirty="0">
               <a:solidFill>
-                <a:srgbClr val="660033"/>
+                <a:srgbClr val="000066"/>
               </a:solidFill>
             </a:endParaRPr>
           </a:p>
@@ -5453,14 +5512,14 @@
       </p:sp>
       <p:sp>
         <p:nvSpPr>
-          <p:cNvPr id="4" name="TextBox 3"/>
+          <p:cNvPr id="6" name="TextBox 5"/>
           <p:cNvSpPr txBox="1"/>
           <p:nvPr/>
         </p:nvSpPr>
         <p:spPr>
           <a:xfrm>
-            <a:off x="636815" y="2414586"/>
-            <a:ext cx="865414" cy="923330"/>
+            <a:off x="0" y="5253203"/>
+            <a:ext cx="12192000" cy="748988"/>
           </a:xfrm>
           <a:prstGeom prst="rect">
             <a:avLst/>
@@ -5473,25 +5532,34 @@
           </a:bodyPr>
           <a:lstStyle/>
           <a:p>
-            <a:r>
-              <a:rPr lang="vi-VN" sz="5400" b="1" dirty="0" smtClean="0">
-                <a:solidFill>
-                  <a:srgbClr val="660033"/>
-                </a:solidFill>
-              </a:rPr>
-              <a:t>3</a:t>
-            </a:r>
-            <a:r>
-              <a:rPr lang="vi-VN" sz="5400" b="1" dirty="0" smtClean="0">
-                <a:solidFill>
-                  <a:srgbClr val="660033"/>
-                </a:solidFill>
-              </a:rPr>
-              <a:t>.</a:t>
-            </a:r>
-            <a:endParaRPr lang="vi-VN" sz="5400" b="1" dirty="0">
+            <a:pPr algn="ctr"/>
+            <a:r>
+              <a:rPr lang="en-US" sz="4267" b="1" dirty="0">
+                <a:solidFill>
+                  <a:srgbClr val="000066"/>
+                </a:solidFill>
+              </a:rPr>
+              <a:t>( </a:t>
+            </a:r>
+            <a:r>
+              <a:rPr lang="en-US" sz="4267" b="1" dirty="0" smtClean="0">
+                <a:solidFill>
+                  <a:srgbClr val="000066"/>
+                </a:solidFill>
+              </a:rPr>
+              <a:t>3 </a:t>
+            </a:r>
+            <a:r>
+              <a:rPr lang="en-US" sz="4267" b="1" dirty="0">
+                <a:solidFill>
+                  <a:srgbClr val="000066"/>
+                </a:solidFill>
+              </a:rPr>
+              <a:t>)</a:t>
+            </a:r>
+            <a:endParaRPr lang="vi-VN" sz="4267" b="1" dirty="0">
               <a:solidFill>
-                <a:srgbClr val="660033"/>
+                <a:srgbClr val="000066"/>
               </a:solidFill>
             </a:endParaRPr>
           </a:p>
@@ -5759,14 +5827,14 @@
       </p:sp>
       <p:sp>
         <p:nvSpPr>
-          <p:cNvPr id="4" name="TextBox 3"/>
+          <p:cNvPr id="6" name="TextBox 5"/>
           <p:cNvSpPr txBox="1"/>
           <p:nvPr/>
         </p:nvSpPr>
         <p:spPr>
           <a:xfrm>
-            <a:off x="636815" y="2414586"/>
-            <a:ext cx="865414" cy="923330"/>
+            <a:off x="0" y="5253203"/>
+            <a:ext cx="12192000" cy="748988"/>
           </a:xfrm>
           <a:prstGeom prst="rect">
             <a:avLst/>
@@ -5779,25 +5847,34 @@
           </a:bodyPr>
           <a:lstStyle/>
           <a:p>
-            <a:r>
-              <a:rPr lang="vi-VN" sz="5400" b="1" dirty="0" smtClean="0">
-                <a:solidFill>
-                  <a:srgbClr val="660033"/>
-                </a:solidFill>
-              </a:rPr>
-              <a:t>3</a:t>
-            </a:r>
-            <a:r>
-              <a:rPr lang="vi-VN" sz="5400" b="1" dirty="0" smtClean="0">
-                <a:solidFill>
-                  <a:srgbClr val="660033"/>
-                </a:solidFill>
-              </a:rPr>
-              <a:t>.</a:t>
-            </a:r>
-            <a:endParaRPr lang="vi-VN" sz="5400" b="1" dirty="0">
+            <a:pPr algn="ctr"/>
+            <a:r>
+              <a:rPr lang="en-US" sz="4267" b="1" dirty="0">
+                <a:solidFill>
+                  <a:srgbClr val="000066"/>
+                </a:solidFill>
+              </a:rPr>
+              <a:t>( </a:t>
+            </a:r>
+            <a:r>
+              <a:rPr lang="en-US" sz="4267" b="1" dirty="0" smtClean="0">
+                <a:solidFill>
+                  <a:srgbClr val="000066"/>
+                </a:solidFill>
+              </a:rPr>
+              <a:t>3 </a:t>
+            </a:r>
+            <a:r>
+              <a:rPr lang="en-US" sz="4267" b="1" dirty="0">
+                <a:solidFill>
+                  <a:srgbClr val="000066"/>
+                </a:solidFill>
+              </a:rPr>
+              <a:t>)</a:t>
+            </a:r>
+            <a:endParaRPr lang="vi-VN" sz="4267" b="1" dirty="0">
               <a:solidFill>
-                <a:srgbClr val="660033"/>
+                <a:srgbClr val="000066"/>
               </a:solidFill>
             </a:endParaRPr>
           </a:p>
@@ -6065,14 +6142,14 @@
       </p:sp>
       <p:sp>
         <p:nvSpPr>
-          <p:cNvPr id="4" name="TextBox 3"/>
+          <p:cNvPr id="6" name="TextBox 5"/>
           <p:cNvSpPr txBox="1"/>
           <p:nvPr/>
         </p:nvSpPr>
         <p:spPr>
           <a:xfrm>
-            <a:off x="636815" y="2414586"/>
-            <a:ext cx="865414" cy="923330"/>
+            <a:off x="0" y="5253203"/>
+            <a:ext cx="12192000" cy="748988"/>
           </a:xfrm>
           <a:prstGeom prst="rect">
             <a:avLst/>
@@ -6085,25 +6162,34 @@
           </a:bodyPr>
           <a:lstStyle/>
           <a:p>
-            <a:r>
-              <a:rPr lang="vi-VN" sz="5400" b="1" dirty="0" smtClean="0">
-                <a:solidFill>
-                  <a:srgbClr val="660033"/>
-                </a:solidFill>
-              </a:rPr>
-              <a:t>3</a:t>
-            </a:r>
-            <a:r>
-              <a:rPr lang="vi-VN" sz="5400" b="1" dirty="0" smtClean="0">
-                <a:solidFill>
-                  <a:srgbClr val="660033"/>
-                </a:solidFill>
-              </a:rPr>
-              <a:t>.</a:t>
-            </a:r>
-            <a:endParaRPr lang="vi-VN" sz="5400" b="1" dirty="0">
+            <a:pPr algn="ctr"/>
+            <a:r>
+              <a:rPr lang="en-US" sz="4267" b="1" dirty="0">
+                <a:solidFill>
+                  <a:srgbClr val="000066"/>
+                </a:solidFill>
+              </a:rPr>
+              <a:t>( </a:t>
+            </a:r>
+            <a:r>
+              <a:rPr lang="en-US" sz="4267" b="1" dirty="0" smtClean="0">
+                <a:solidFill>
+                  <a:srgbClr val="000066"/>
+                </a:solidFill>
+              </a:rPr>
+              <a:t>3 </a:t>
+            </a:r>
+            <a:r>
+              <a:rPr lang="en-US" sz="4267" b="1" dirty="0">
+                <a:solidFill>
+                  <a:srgbClr val="000066"/>
+                </a:solidFill>
+              </a:rPr>
+              <a:t>)</a:t>
+            </a:r>
+            <a:endParaRPr lang="vi-VN" sz="4267" b="1" dirty="0">
               <a:solidFill>
-                <a:srgbClr val="660033"/>
+                <a:srgbClr val="000066"/>
               </a:solidFill>
             </a:endParaRPr>
           </a:p>
@@ -6371,14 +6457,14 @@
       </p:sp>
       <p:sp>
         <p:nvSpPr>
-          <p:cNvPr id="4" name="TextBox 3"/>
+          <p:cNvPr id="6" name="TextBox 5"/>
           <p:cNvSpPr txBox="1"/>
           <p:nvPr/>
         </p:nvSpPr>
         <p:spPr>
           <a:xfrm>
-            <a:off x="636815" y="2414586"/>
-            <a:ext cx="865414" cy="923330"/>
+            <a:off x="0" y="5253203"/>
+            <a:ext cx="12192000" cy="748988"/>
           </a:xfrm>
           <a:prstGeom prst="rect">
             <a:avLst/>
@@ -6391,25 +6477,34 @@
           </a:bodyPr>
           <a:lstStyle/>
           <a:p>
-            <a:r>
-              <a:rPr lang="vi-VN" sz="5400" b="1" dirty="0" smtClean="0">
-                <a:solidFill>
-                  <a:srgbClr val="660033"/>
-                </a:solidFill>
-              </a:rPr>
-              <a:t>3</a:t>
-            </a:r>
-            <a:r>
-              <a:rPr lang="vi-VN" sz="5400" b="1" dirty="0" smtClean="0">
-                <a:solidFill>
-                  <a:srgbClr val="660033"/>
-                </a:solidFill>
-              </a:rPr>
-              <a:t>.</a:t>
-            </a:r>
-            <a:endParaRPr lang="vi-VN" sz="5400" b="1" dirty="0">
+            <a:pPr algn="ctr"/>
+            <a:r>
+              <a:rPr lang="en-US" sz="4267" b="1" dirty="0">
+                <a:solidFill>
+                  <a:srgbClr val="000066"/>
+                </a:solidFill>
+              </a:rPr>
+              <a:t>( </a:t>
+            </a:r>
+            <a:r>
+              <a:rPr lang="en-US" sz="4267" b="1" dirty="0" smtClean="0">
+                <a:solidFill>
+                  <a:srgbClr val="000066"/>
+                </a:solidFill>
+              </a:rPr>
+              <a:t>3 </a:t>
+            </a:r>
+            <a:r>
+              <a:rPr lang="en-US" sz="4267" b="1" dirty="0">
+                <a:solidFill>
+                  <a:srgbClr val="000066"/>
+                </a:solidFill>
+              </a:rPr>
+              <a:t>)</a:t>
+            </a:r>
+            <a:endParaRPr lang="vi-VN" sz="4267" b="1" dirty="0">
               <a:solidFill>
-                <a:srgbClr val="660033"/>
+                <a:srgbClr val="000066"/>
               </a:solidFill>
             </a:endParaRPr>
           </a:p>
@@ -6728,14 +6823,14 @@
       </p:sp>
       <p:sp>
         <p:nvSpPr>
-          <p:cNvPr id="4" name="TextBox 3"/>
+          <p:cNvPr id="6" name="TextBox 5"/>
           <p:cNvSpPr txBox="1"/>
           <p:nvPr/>
         </p:nvSpPr>
         <p:spPr>
           <a:xfrm>
-            <a:off x="636815" y="2414586"/>
-            <a:ext cx="865414" cy="923330"/>
+            <a:off x="0" y="5253203"/>
+            <a:ext cx="12192000" cy="748988"/>
           </a:xfrm>
           <a:prstGeom prst="rect">
             <a:avLst/>
@@ -6748,17 +6843,18 @@
           </a:bodyPr>
           <a:lstStyle/>
           <a:p>
-            <a:r>
-              <a:rPr lang="vi-VN" sz="5400" b="1" dirty="0" smtClean="0">
-                <a:solidFill>
-                  <a:srgbClr val="660033"/>
-                </a:solidFill>
-              </a:rPr>
-              <a:t>1.</a:t>
-            </a:r>
-            <a:endParaRPr lang="vi-VN" sz="5400" b="1" dirty="0">
+            <a:pPr algn="ctr"/>
+            <a:r>
+              <a:rPr lang="en-US" sz="4267" b="1" dirty="0">
+                <a:solidFill>
+                  <a:srgbClr val="000066"/>
+                </a:solidFill>
+              </a:rPr>
+              <a:t>( 1 )</a:t>
+            </a:r>
+            <a:endParaRPr lang="vi-VN" sz="4267" b="1" dirty="0">
               <a:solidFill>
-                <a:srgbClr val="660033"/>
+                <a:srgbClr val="000066"/>
               </a:solidFill>
             </a:endParaRPr>
           </a:p>
@@ -7046,14 +7142,14 @@
       </p:sp>
       <p:sp>
         <p:nvSpPr>
-          <p:cNvPr id="4" name="TextBox 3"/>
+          <p:cNvPr id="6" name="TextBox 5"/>
           <p:cNvSpPr txBox="1"/>
           <p:nvPr/>
         </p:nvSpPr>
         <p:spPr>
           <a:xfrm>
-            <a:off x="636815" y="2414586"/>
-            <a:ext cx="865414" cy="923330"/>
+            <a:off x="0" y="5253203"/>
+            <a:ext cx="12192000" cy="748988"/>
           </a:xfrm>
           <a:prstGeom prst="rect">
             <a:avLst/>
@@ -7066,17 +7162,18 @@
           </a:bodyPr>
           <a:lstStyle/>
           <a:p>
-            <a:r>
-              <a:rPr lang="vi-VN" sz="5400" b="1" dirty="0" smtClean="0">
-                <a:solidFill>
-                  <a:srgbClr val="660033"/>
-                </a:solidFill>
-              </a:rPr>
-              <a:t>1.</a:t>
-            </a:r>
-            <a:endParaRPr lang="vi-VN" sz="5400" b="1" dirty="0">
+            <a:pPr algn="ctr"/>
+            <a:r>
+              <a:rPr lang="en-US" sz="4267" b="1" dirty="0">
+                <a:solidFill>
+                  <a:srgbClr val="000066"/>
+                </a:solidFill>
+              </a:rPr>
+              <a:t>( 1 )</a:t>
+            </a:r>
+            <a:endParaRPr lang="vi-VN" sz="4267" b="1" dirty="0">
               <a:solidFill>
-                <a:srgbClr val="660033"/>
+                <a:srgbClr val="000066"/>
               </a:solidFill>
             </a:endParaRPr>
           </a:p>
@@ -7344,14 +7441,14 @@
       </p:sp>
       <p:sp>
         <p:nvSpPr>
-          <p:cNvPr id="4" name="TextBox 3"/>
+          <p:cNvPr id="6" name="TextBox 5"/>
           <p:cNvSpPr txBox="1"/>
           <p:nvPr/>
         </p:nvSpPr>
         <p:spPr>
           <a:xfrm>
-            <a:off x="636815" y="2414586"/>
-            <a:ext cx="865414" cy="923330"/>
+            <a:off x="0" y="5253203"/>
+            <a:ext cx="12192000" cy="748988"/>
           </a:xfrm>
           <a:prstGeom prst="rect">
             <a:avLst/>
@@ -7364,17 +7461,18 @@
           </a:bodyPr>
           <a:lstStyle/>
           <a:p>
-            <a:r>
-              <a:rPr lang="vi-VN" sz="5400" b="1" dirty="0" smtClean="0">
-                <a:solidFill>
-                  <a:srgbClr val="660033"/>
-                </a:solidFill>
-              </a:rPr>
-              <a:t>1.</a:t>
-            </a:r>
-            <a:endParaRPr lang="vi-VN" sz="5400" b="1" dirty="0">
+            <a:pPr algn="ctr"/>
+            <a:r>
+              <a:rPr lang="en-US" sz="4267" b="1" dirty="0">
+                <a:solidFill>
+                  <a:srgbClr val="000066"/>
+                </a:solidFill>
+              </a:rPr>
+              <a:t>( 1 )</a:t>
+            </a:r>
+            <a:endParaRPr lang="vi-VN" sz="4267" b="1" dirty="0">
               <a:solidFill>
-                <a:srgbClr val="660033"/>
+                <a:srgbClr val="000066"/>
               </a:solidFill>
             </a:endParaRPr>
           </a:p>
@@ -7642,14 +7740,14 @@
       </p:sp>
       <p:sp>
         <p:nvSpPr>
-          <p:cNvPr id="4" name="TextBox 3"/>
+          <p:cNvPr id="6" name="TextBox 5"/>
           <p:cNvSpPr txBox="1"/>
           <p:nvPr/>
         </p:nvSpPr>
         <p:spPr>
           <a:xfrm>
-            <a:off x="636815" y="2414586"/>
-            <a:ext cx="865414" cy="923330"/>
+            <a:off x="0" y="5253203"/>
+            <a:ext cx="12192000" cy="748988"/>
           </a:xfrm>
           <a:prstGeom prst="rect">
             <a:avLst/>
@@ -7662,17 +7760,18 @@
           </a:bodyPr>
           <a:lstStyle/>
           <a:p>
-            <a:r>
-              <a:rPr lang="vi-VN" sz="5400" b="1" dirty="0" smtClean="0">
-                <a:solidFill>
-                  <a:srgbClr val="660033"/>
-                </a:solidFill>
-              </a:rPr>
-              <a:t>1.</a:t>
-            </a:r>
-            <a:endParaRPr lang="vi-VN" sz="5400" b="1" dirty="0">
+            <a:pPr algn="ctr"/>
+            <a:r>
+              <a:rPr lang="en-US" sz="4267" b="1" dirty="0">
+                <a:solidFill>
+                  <a:srgbClr val="000066"/>
+                </a:solidFill>
+              </a:rPr>
+              <a:t>( 1 )</a:t>
+            </a:r>
+            <a:endParaRPr lang="vi-VN" sz="4267" b="1" dirty="0">
               <a:solidFill>
-                <a:srgbClr val="660033"/>
+                <a:srgbClr val="000066"/>
               </a:solidFill>
             </a:endParaRPr>
           </a:p>
@@ -7940,14 +8039,14 @@
       </p:sp>
       <p:sp>
         <p:nvSpPr>
-          <p:cNvPr id="4" name="TextBox 3"/>
+          <p:cNvPr id="6" name="TextBox 5"/>
           <p:cNvSpPr txBox="1"/>
           <p:nvPr/>
         </p:nvSpPr>
         <p:spPr>
           <a:xfrm>
-            <a:off x="636815" y="2414586"/>
-            <a:ext cx="865414" cy="923330"/>
+            <a:off x="0" y="5253203"/>
+            <a:ext cx="12192000" cy="748988"/>
           </a:xfrm>
           <a:prstGeom prst="rect">
             <a:avLst/>
@@ -7960,17 +8059,18 @@
           </a:bodyPr>
           <a:lstStyle/>
           <a:p>
-            <a:r>
-              <a:rPr lang="vi-VN" sz="5400" b="1" dirty="0" smtClean="0">
-                <a:solidFill>
-                  <a:srgbClr val="660033"/>
-                </a:solidFill>
-              </a:rPr>
-              <a:t>1.</a:t>
-            </a:r>
-            <a:endParaRPr lang="vi-VN" sz="5400" b="1" dirty="0">
+            <a:pPr algn="ctr"/>
+            <a:r>
+              <a:rPr lang="en-US" sz="4267" b="1" dirty="0">
+                <a:solidFill>
+                  <a:srgbClr val="000066"/>
+                </a:solidFill>
+              </a:rPr>
+              <a:t>( 1 )</a:t>
+            </a:r>
+            <a:endParaRPr lang="vi-VN" sz="4267" b="1" dirty="0">
               <a:solidFill>
-                <a:srgbClr val="660033"/>
+                <a:srgbClr val="000066"/>
               </a:solidFill>
             </a:endParaRPr>
           </a:p>
@@ -8238,14 +8338,14 @@
       </p:sp>
       <p:sp>
         <p:nvSpPr>
-          <p:cNvPr id="4" name="TextBox 3"/>
+          <p:cNvPr id="6" name="TextBox 5"/>
           <p:cNvSpPr txBox="1"/>
           <p:nvPr/>
         </p:nvSpPr>
         <p:spPr>
           <a:xfrm>
-            <a:off x="636815" y="2414586"/>
-            <a:ext cx="865414" cy="923330"/>
+            <a:off x="0" y="5253203"/>
+            <a:ext cx="12192000" cy="748988"/>
           </a:xfrm>
           <a:prstGeom prst="rect">
             <a:avLst/>
@@ -8258,17 +8358,18 @@
           </a:bodyPr>
           <a:lstStyle/>
           <a:p>
-            <a:r>
-              <a:rPr lang="vi-VN" sz="5400" b="1" dirty="0" smtClean="0">
-                <a:solidFill>
-                  <a:srgbClr val="660033"/>
-                </a:solidFill>
-              </a:rPr>
-              <a:t>1.</a:t>
-            </a:r>
-            <a:endParaRPr lang="vi-VN" sz="5400" b="1" dirty="0">
+            <a:pPr algn="ctr"/>
+            <a:r>
+              <a:rPr lang="en-US" sz="4267" b="1" dirty="0">
+                <a:solidFill>
+                  <a:srgbClr val="000066"/>
+                </a:solidFill>
+              </a:rPr>
+              <a:t>( 1 )</a:t>
+            </a:r>
+            <a:endParaRPr lang="vi-VN" sz="4267" b="1" dirty="0">
               <a:solidFill>
-                <a:srgbClr val="660033"/>
+                <a:srgbClr val="000066"/>
               </a:solidFill>
             </a:endParaRPr>
           </a:p>
@@ -8587,14 +8688,14 @@
       </p:sp>
       <p:sp>
         <p:nvSpPr>
-          <p:cNvPr id="4" name="TextBox 3"/>
+          <p:cNvPr id="6" name="TextBox 5"/>
           <p:cNvSpPr txBox="1"/>
           <p:nvPr/>
         </p:nvSpPr>
         <p:spPr>
           <a:xfrm>
-            <a:off x="636815" y="2414586"/>
-            <a:ext cx="865414" cy="923330"/>
+            <a:off x="0" y="5253203"/>
+            <a:ext cx="12192000" cy="748988"/>
           </a:xfrm>
           <a:prstGeom prst="rect">
             <a:avLst/>
@@ -8607,25 +8708,34 @@
           </a:bodyPr>
           <a:lstStyle/>
           <a:p>
-            <a:r>
-              <a:rPr lang="vi-VN" sz="5400" b="1" dirty="0">
-                <a:solidFill>
-                  <a:srgbClr val="660033"/>
-                </a:solidFill>
-              </a:rPr>
-              <a:t>2</a:t>
-            </a:r>
-            <a:r>
-              <a:rPr lang="vi-VN" sz="5400" b="1" dirty="0" smtClean="0">
-                <a:solidFill>
-                  <a:srgbClr val="660033"/>
-                </a:solidFill>
-              </a:rPr>
-              <a:t>.</a:t>
-            </a:r>
-            <a:endParaRPr lang="vi-VN" sz="5400" b="1" dirty="0">
+            <a:pPr algn="ctr"/>
+            <a:r>
+              <a:rPr lang="en-US" sz="4267" b="1" dirty="0">
+                <a:solidFill>
+                  <a:srgbClr val="000066"/>
+                </a:solidFill>
+              </a:rPr>
+              <a:t>( </a:t>
+            </a:r>
+            <a:r>
+              <a:rPr lang="en-US" sz="4267" b="1" dirty="0" smtClean="0">
+                <a:solidFill>
+                  <a:srgbClr val="000066"/>
+                </a:solidFill>
+              </a:rPr>
+              <a:t>2 </a:t>
+            </a:r>
+            <a:r>
+              <a:rPr lang="en-US" sz="4267" b="1" dirty="0">
+                <a:solidFill>
+                  <a:srgbClr val="000066"/>
+                </a:solidFill>
+              </a:rPr>
+              <a:t>)</a:t>
+            </a:r>
+            <a:endParaRPr lang="vi-VN" sz="4267" b="1" dirty="0">
               <a:solidFill>
-                <a:srgbClr val="660033"/>
+                <a:srgbClr val="000066"/>
               </a:solidFill>
             </a:endParaRPr>
           </a:p>
@@ -8913,14 +9023,14 @@
       </p:sp>
       <p:sp>
         <p:nvSpPr>
-          <p:cNvPr id="4" name="TextBox 3"/>
+          <p:cNvPr id="6" name="TextBox 5"/>
           <p:cNvSpPr txBox="1"/>
           <p:nvPr/>
         </p:nvSpPr>
         <p:spPr>
           <a:xfrm>
-            <a:off x="636815" y="2414586"/>
-            <a:ext cx="865414" cy="923330"/>
+            <a:off x="0" y="5253203"/>
+            <a:ext cx="12192000" cy="748988"/>
           </a:xfrm>
           <a:prstGeom prst="rect">
             <a:avLst/>
@@ -8933,25 +9043,34 @@
           </a:bodyPr>
           <a:lstStyle/>
           <a:p>
-            <a:r>
-              <a:rPr lang="vi-VN" sz="5400" b="1" dirty="0">
-                <a:solidFill>
-                  <a:srgbClr val="660033"/>
-                </a:solidFill>
-              </a:rPr>
-              <a:t>2</a:t>
-            </a:r>
-            <a:r>
-              <a:rPr lang="vi-VN" sz="5400" b="1" dirty="0" smtClean="0">
-                <a:solidFill>
-                  <a:srgbClr val="660033"/>
-                </a:solidFill>
-              </a:rPr>
-              <a:t>.</a:t>
-            </a:r>
-            <a:endParaRPr lang="vi-VN" sz="5400" b="1" dirty="0">
+            <a:pPr algn="ctr"/>
+            <a:r>
+              <a:rPr lang="en-US" sz="4267" b="1" dirty="0">
+                <a:solidFill>
+                  <a:srgbClr val="000066"/>
+                </a:solidFill>
+              </a:rPr>
+              <a:t>( </a:t>
+            </a:r>
+            <a:r>
+              <a:rPr lang="en-US" sz="4267" b="1" dirty="0" smtClean="0">
+                <a:solidFill>
+                  <a:srgbClr val="000066"/>
+                </a:solidFill>
+              </a:rPr>
+              <a:t>2 </a:t>
+            </a:r>
+            <a:r>
+              <a:rPr lang="en-US" sz="4267" b="1" dirty="0">
+                <a:solidFill>
+                  <a:srgbClr val="000066"/>
+                </a:solidFill>
+              </a:rPr>
+              <a:t>)</a:t>
+            </a:r>
+            <a:endParaRPr lang="vi-VN" sz="4267" b="1" dirty="0">
               <a:solidFill>
-                <a:srgbClr val="660033"/>
+                <a:srgbClr val="000066"/>
               </a:solidFill>
             </a:endParaRPr>
           </a:p>

--- a/中越詩歌/平安夜 Đêm yên lặng.pptx
+++ b/中越詩歌/平安夜 Đêm yên lặng.pptx
@@ -311,7 +311,7 @@
           <a:p>
             <a:fld id="{0B121D9E-9EE4-4677-A138-19464299E72E}" type="datetimeFigureOut">
               <a:rPr lang="vi-VN" smtClean="0"/>
-              <a:t>20/12/2021</a:t>
+              <a:t>20/12/2022</a:t>
             </a:fld>
             <a:endParaRPr lang="vi-VN"/>
           </a:p>
@@ -481,7 +481,7 @@
           <a:p>
             <a:fld id="{0B121D9E-9EE4-4677-A138-19464299E72E}" type="datetimeFigureOut">
               <a:rPr lang="vi-VN" smtClean="0"/>
-              <a:t>20/12/2021</a:t>
+              <a:t>20/12/2022</a:t>
             </a:fld>
             <a:endParaRPr lang="vi-VN"/>
           </a:p>
@@ -661,7 +661,7 @@
           <a:p>
             <a:fld id="{0B121D9E-9EE4-4677-A138-19464299E72E}" type="datetimeFigureOut">
               <a:rPr lang="vi-VN" smtClean="0"/>
-              <a:t>20/12/2021</a:t>
+              <a:t>20/12/2022</a:t>
             </a:fld>
             <a:endParaRPr lang="vi-VN"/>
           </a:p>
@@ -831,7 +831,7 @@
           <a:p>
             <a:fld id="{0B121D9E-9EE4-4677-A138-19464299E72E}" type="datetimeFigureOut">
               <a:rPr lang="vi-VN" smtClean="0"/>
-              <a:t>20/12/2021</a:t>
+              <a:t>20/12/2022</a:t>
             </a:fld>
             <a:endParaRPr lang="vi-VN"/>
           </a:p>
@@ -1077,7 +1077,7 @@
           <a:p>
             <a:fld id="{0B121D9E-9EE4-4677-A138-19464299E72E}" type="datetimeFigureOut">
               <a:rPr lang="vi-VN" smtClean="0"/>
-              <a:t>20/12/2021</a:t>
+              <a:t>20/12/2022</a:t>
             </a:fld>
             <a:endParaRPr lang="vi-VN"/>
           </a:p>
@@ -1365,7 +1365,7 @@
           <a:p>
             <a:fld id="{0B121D9E-9EE4-4677-A138-19464299E72E}" type="datetimeFigureOut">
               <a:rPr lang="vi-VN" smtClean="0"/>
-              <a:t>20/12/2021</a:t>
+              <a:t>20/12/2022</a:t>
             </a:fld>
             <a:endParaRPr lang="vi-VN"/>
           </a:p>
@@ -1787,7 +1787,7 @@
           <a:p>
             <a:fld id="{0B121D9E-9EE4-4677-A138-19464299E72E}" type="datetimeFigureOut">
               <a:rPr lang="vi-VN" smtClean="0"/>
-              <a:t>20/12/2021</a:t>
+              <a:t>20/12/2022</a:t>
             </a:fld>
             <a:endParaRPr lang="vi-VN"/>
           </a:p>
@@ -1905,7 +1905,7 @@
           <a:p>
             <a:fld id="{0B121D9E-9EE4-4677-A138-19464299E72E}" type="datetimeFigureOut">
               <a:rPr lang="vi-VN" smtClean="0"/>
-              <a:t>20/12/2021</a:t>
+              <a:t>20/12/2022</a:t>
             </a:fld>
             <a:endParaRPr lang="vi-VN"/>
           </a:p>
@@ -2000,7 +2000,7 @@
           <a:p>
             <a:fld id="{0B121D9E-9EE4-4677-A138-19464299E72E}" type="datetimeFigureOut">
               <a:rPr lang="vi-VN" smtClean="0"/>
-              <a:t>20/12/2021</a:t>
+              <a:t>20/12/2022</a:t>
             </a:fld>
             <a:endParaRPr lang="vi-VN"/>
           </a:p>
@@ -2277,7 +2277,7 @@
           <a:p>
             <a:fld id="{0B121D9E-9EE4-4677-A138-19464299E72E}" type="datetimeFigureOut">
               <a:rPr lang="vi-VN" smtClean="0"/>
-              <a:t>20/12/2021</a:t>
+              <a:t>20/12/2022</a:t>
             </a:fld>
             <a:endParaRPr lang="vi-VN"/>
           </a:p>
@@ -2534,7 +2534,7 @@
           <a:p>
             <a:fld id="{0B121D9E-9EE4-4677-A138-19464299E72E}" type="datetimeFigureOut">
               <a:rPr lang="vi-VN" smtClean="0"/>
-              <a:t>20/12/2021</a:t>
+              <a:t>20/12/2022</a:t>
             </a:fld>
             <a:endParaRPr lang="vi-VN"/>
           </a:p>
@@ -2752,7 +2752,7 @@
           <a:p>
             <a:fld id="{0B121D9E-9EE4-4677-A138-19464299E72E}" type="datetimeFigureOut">
               <a:rPr lang="vi-VN" smtClean="0"/>
-              <a:t>20/12/2021</a:t>
+              <a:t>20/12/2022</a:t>
             </a:fld>
             <a:endParaRPr lang="vi-VN"/>
           </a:p>
@@ -3558,7 +3558,7 @@
         <p:spPr>
           <a:xfrm>
             <a:off x="0" y="5253203"/>
-            <a:ext cx="12192000" cy="748988"/>
+            <a:ext cx="12192000" cy="646331"/>
           </a:xfrm>
           <a:prstGeom prst="rect">
             <a:avLst/>
@@ -3573,30 +3573,14 @@
           <a:p>
             <a:pPr algn="ctr"/>
             <a:r>
-              <a:rPr lang="en-US" sz="4267" b="1" dirty="0">
+              <a:rPr lang="en-US" sz="3600" b="1" dirty="0">
                 <a:solidFill>
                   <a:srgbClr val="000066"/>
                 </a:solidFill>
               </a:rPr>
-              <a:t>( </a:t>
-            </a:r>
-            <a:r>
-              <a:rPr lang="en-US" sz="4267" b="1" dirty="0" smtClean="0">
-                <a:solidFill>
-                  <a:srgbClr val="000066"/>
-                </a:solidFill>
-              </a:rPr>
-              <a:t>2 </a:t>
-            </a:r>
-            <a:r>
-              <a:rPr lang="en-US" sz="4267" b="1" dirty="0">
-                <a:solidFill>
-                  <a:srgbClr val="000066"/>
-                </a:solidFill>
-              </a:rPr>
-              <a:t>)</a:t>
-            </a:r>
-            <a:endParaRPr lang="vi-VN" sz="4267" b="1" dirty="0">
+              <a:t>( 2 / 3 )</a:t>
+            </a:r>
+            <a:endParaRPr lang="vi-VN" sz="3600" b="1" dirty="0">
               <a:solidFill>
                 <a:srgbClr val="000066"/>
               </a:solidFill>
@@ -3873,7 +3857,7 @@
         <p:spPr>
           <a:xfrm>
             <a:off x="0" y="5253203"/>
-            <a:ext cx="12192000" cy="748988"/>
+            <a:ext cx="12192000" cy="646331"/>
           </a:xfrm>
           <a:prstGeom prst="rect">
             <a:avLst/>
@@ -3888,30 +3872,14 @@
           <a:p>
             <a:pPr algn="ctr"/>
             <a:r>
-              <a:rPr lang="en-US" sz="4267" b="1" dirty="0">
+              <a:rPr lang="en-US" sz="3600" b="1" dirty="0">
                 <a:solidFill>
                   <a:srgbClr val="000066"/>
                 </a:solidFill>
               </a:rPr>
-              <a:t>( </a:t>
-            </a:r>
-            <a:r>
-              <a:rPr lang="en-US" sz="4267" b="1" dirty="0" smtClean="0">
-                <a:solidFill>
-                  <a:srgbClr val="000066"/>
-                </a:solidFill>
-              </a:rPr>
-              <a:t>2 </a:t>
-            </a:r>
-            <a:r>
-              <a:rPr lang="en-US" sz="4267" b="1" dirty="0">
-                <a:solidFill>
-                  <a:srgbClr val="000066"/>
-                </a:solidFill>
-              </a:rPr>
-              <a:t>)</a:t>
-            </a:r>
-            <a:endParaRPr lang="vi-VN" sz="4267" b="1" dirty="0">
+              <a:t>( 2 / 3 )</a:t>
+            </a:r>
+            <a:endParaRPr lang="vi-VN" sz="3600" b="1" dirty="0">
               <a:solidFill>
                 <a:srgbClr val="000066"/>
               </a:solidFill>
@@ -4188,7 +4156,7 @@
         <p:spPr>
           <a:xfrm>
             <a:off x="0" y="5253203"/>
-            <a:ext cx="12192000" cy="748988"/>
+            <a:ext cx="12192000" cy="646331"/>
           </a:xfrm>
           <a:prstGeom prst="rect">
             <a:avLst/>
@@ -4203,30 +4171,14 @@
           <a:p>
             <a:pPr algn="ctr"/>
             <a:r>
-              <a:rPr lang="en-US" sz="4267" b="1" dirty="0">
+              <a:rPr lang="en-US" sz="3600" b="1" dirty="0">
                 <a:solidFill>
                   <a:srgbClr val="000066"/>
                 </a:solidFill>
               </a:rPr>
-              <a:t>( </a:t>
-            </a:r>
-            <a:r>
-              <a:rPr lang="en-US" sz="4267" b="1" dirty="0" smtClean="0">
-                <a:solidFill>
-                  <a:srgbClr val="000066"/>
-                </a:solidFill>
-              </a:rPr>
-              <a:t>2 </a:t>
-            </a:r>
-            <a:r>
-              <a:rPr lang="en-US" sz="4267" b="1" dirty="0">
-                <a:solidFill>
-                  <a:srgbClr val="000066"/>
-                </a:solidFill>
-              </a:rPr>
-              <a:t>)</a:t>
-            </a:r>
-            <a:endParaRPr lang="vi-VN" sz="4267" b="1" dirty="0">
+              <a:t>( 2 / 3 )</a:t>
+            </a:r>
+            <a:endParaRPr lang="vi-VN" sz="3600" b="1" dirty="0">
               <a:solidFill>
                 <a:srgbClr val="000066"/>
               </a:solidFill>
@@ -4503,7 +4455,7 @@
         <p:spPr>
           <a:xfrm>
             <a:off x="0" y="5253203"/>
-            <a:ext cx="12192000" cy="748988"/>
+            <a:ext cx="12192000" cy="646331"/>
           </a:xfrm>
           <a:prstGeom prst="rect">
             <a:avLst/>
@@ -4518,30 +4470,14 @@
           <a:p>
             <a:pPr algn="ctr"/>
             <a:r>
-              <a:rPr lang="en-US" sz="4267" b="1" dirty="0">
+              <a:rPr lang="en-US" sz="3600" b="1" dirty="0">
                 <a:solidFill>
                   <a:srgbClr val="000066"/>
                 </a:solidFill>
               </a:rPr>
-              <a:t>( </a:t>
-            </a:r>
-            <a:r>
-              <a:rPr lang="en-US" sz="4267" b="1" dirty="0" smtClean="0">
-                <a:solidFill>
-                  <a:srgbClr val="000066"/>
-                </a:solidFill>
-              </a:rPr>
-              <a:t>2 </a:t>
-            </a:r>
-            <a:r>
-              <a:rPr lang="en-US" sz="4267" b="1" dirty="0">
-                <a:solidFill>
-                  <a:srgbClr val="000066"/>
-                </a:solidFill>
-              </a:rPr>
-              <a:t>)</a:t>
-            </a:r>
-            <a:endParaRPr lang="vi-VN" sz="4267" b="1" dirty="0">
+              <a:t>( 2 / 3 )</a:t>
+            </a:r>
+            <a:endParaRPr lang="vi-VN" sz="3600" b="1" dirty="0">
               <a:solidFill>
                 <a:srgbClr val="000066"/>
               </a:solidFill>
@@ -4869,7 +4805,7 @@
         <p:spPr>
           <a:xfrm>
             <a:off x="0" y="5253203"/>
-            <a:ext cx="12192000" cy="748988"/>
+            <a:ext cx="12192000" cy="646331"/>
           </a:xfrm>
           <a:prstGeom prst="rect">
             <a:avLst/>
@@ -4884,7 +4820,7 @@
           <a:p>
             <a:pPr algn="ctr"/>
             <a:r>
-              <a:rPr lang="en-US" sz="4267" b="1" dirty="0">
+              <a:rPr lang="en-US" sz="3600" b="1" dirty="0">
                 <a:solidFill>
                   <a:srgbClr val="000066"/>
                 </a:solidFill>
@@ -4892,7 +4828,7 @@
               <a:t>( </a:t>
             </a:r>
             <a:r>
-              <a:rPr lang="en-US" sz="4267" b="1" dirty="0" smtClean="0">
+              <a:rPr lang="en-US" sz="3600" b="1" dirty="0">
                 <a:solidFill>
                   <a:srgbClr val="000066"/>
                 </a:solidFill>
@@ -4900,14 +4836,14 @@
               <a:t>3 </a:t>
             </a:r>
             <a:r>
-              <a:rPr lang="en-US" sz="4267" b="1" dirty="0">
+              <a:rPr lang="en-US" sz="3600" b="1" dirty="0">
                 <a:solidFill>
                   <a:srgbClr val="000066"/>
                 </a:solidFill>
               </a:rPr>
-              <a:t>)</a:t>
-            </a:r>
-            <a:endParaRPr lang="vi-VN" sz="4267" b="1" dirty="0">
+              <a:t>/ 3 )</a:t>
+            </a:r>
+            <a:endParaRPr lang="vi-VN" sz="3600" b="1" dirty="0">
               <a:solidFill>
                 <a:srgbClr val="000066"/>
               </a:solidFill>
@@ -5204,7 +5140,7 @@
         <p:spPr>
           <a:xfrm>
             <a:off x="0" y="5253203"/>
-            <a:ext cx="12192000" cy="748988"/>
+            <a:ext cx="12192000" cy="646331"/>
           </a:xfrm>
           <a:prstGeom prst="rect">
             <a:avLst/>
@@ -5219,30 +5155,14 @@
           <a:p>
             <a:pPr algn="ctr"/>
             <a:r>
-              <a:rPr lang="en-US" sz="4267" b="1" dirty="0">
+              <a:rPr lang="en-US" sz="3600" b="1" dirty="0">
                 <a:solidFill>
                   <a:srgbClr val="000066"/>
                 </a:solidFill>
               </a:rPr>
-              <a:t>( </a:t>
-            </a:r>
-            <a:r>
-              <a:rPr lang="en-US" sz="4267" b="1" dirty="0" smtClean="0">
-                <a:solidFill>
-                  <a:srgbClr val="000066"/>
-                </a:solidFill>
-              </a:rPr>
-              <a:t>3 </a:t>
-            </a:r>
-            <a:r>
-              <a:rPr lang="en-US" sz="4267" b="1" dirty="0">
-                <a:solidFill>
-                  <a:srgbClr val="000066"/>
-                </a:solidFill>
-              </a:rPr>
-              <a:t>)</a:t>
-            </a:r>
-            <a:endParaRPr lang="vi-VN" sz="4267" b="1" dirty="0">
+              <a:t>( 3 / 3 )</a:t>
+            </a:r>
+            <a:endParaRPr lang="vi-VN" sz="3600" b="1" dirty="0">
               <a:solidFill>
                 <a:srgbClr val="000066"/>
               </a:solidFill>
@@ -5519,7 +5439,7 @@
         <p:spPr>
           <a:xfrm>
             <a:off x="0" y="5253203"/>
-            <a:ext cx="12192000" cy="748988"/>
+            <a:ext cx="12192000" cy="646331"/>
           </a:xfrm>
           <a:prstGeom prst="rect">
             <a:avLst/>
@@ -5534,30 +5454,14 @@
           <a:p>
             <a:pPr algn="ctr"/>
             <a:r>
-              <a:rPr lang="en-US" sz="4267" b="1" dirty="0">
+              <a:rPr lang="en-US" sz="3600" b="1" dirty="0">
                 <a:solidFill>
                   <a:srgbClr val="000066"/>
                 </a:solidFill>
               </a:rPr>
-              <a:t>( </a:t>
-            </a:r>
-            <a:r>
-              <a:rPr lang="en-US" sz="4267" b="1" dirty="0" smtClean="0">
-                <a:solidFill>
-                  <a:srgbClr val="000066"/>
-                </a:solidFill>
-              </a:rPr>
-              <a:t>3 </a:t>
-            </a:r>
-            <a:r>
-              <a:rPr lang="en-US" sz="4267" b="1" dirty="0">
-                <a:solidFill>
-                  <a:srgbClr val="000066"/>
-                </a:solidFill>
-              </a:rPr>
-              <a:t>)</a:t>
-            </a:r>
-            <a:endParaRPr lang="vi-VN" sz="4267" b="1" dirty="0">
+              <a:t>( 3 / 3 )</a:t>
+            </a:r>
+            <a:endParaRPr lang="vi-VN" sz="3600" b="1" dirty="0">
               <a:solidFill>
                 <a:srgbClr val="000066"/>
               </a:solidFill>
@@ -5834,7 +5738,7 @@
         <p:spPr>
           <a:xfrm>
             <a:off x="0" y="5253203"/>
-            <a:ext cx="12192000" cy="748988"/>
+            <a:ext cx="12192000" cy="646331"/>
           </a:xfrm>
           <a:prstGeom prst="rect">
             <a:avLst/>
@@ -5849,30 +5753,14 @@
           <a:p>
             <a:pPr algn="ctr"/>
             <a:r>
-              <a:rPr lang="en-US" sz="4267" b="1" dirty="0">
+              <a:rPr lang="en-US" sz="3600" b="1" dirty="0">
                 <a:solidFill>
                   <a:srgbClr val="000066"/>
                 </a:solidFill>
               </a:rPr>
-              <a:t>( </a:t>
-            </a:r>
-            <a:r>
-              <a:rPr lang="en-US" sz="4267" b="1" dirty="0" smtClean="0">
-                <a:solidFill>
-                  <a:srgbClr val="000066"/>
-                </a:solidFill>
-              </a:rPr>
-              <a:t>3 </a:t>
-            </a:r>
-            <a:r>
-              <a:rPr lang="en-US" sz="4267" b="1" dirty="0">
-                <a:solidFill>
-                  <a:srgbClr val="000066"/>
-                </a:solidFill>
-              </a:rPr>
-              <a:t>)</a:t>
-            </a:r>
-            <a:endParaRPr lang="vi-VN" sz="4267" b="1" dirty="0">
+              <a:t>( 3 / 3 )</a:t>
+            </a:r>
+            <a:endParaRPr lang="vi-VN" sz="3600" b="1" dirty="0">
               <a:solidFill>
                 <a:srgbClr val="000066"/>
               </a:solidFill>
@@ -6149,7 +6037,7 @@
         <p:spPr>
           <a:xfrm>
             <a:off x="0" y="5253203"/>
-            <a:ext cx="12192000" cy="748988"/>
+            <a:ext cx="12192000" cy="646331"/>
           </a:xfrm>
           <a:prstGeom prst="rect">
             <a:avLst/>
@@ -6164,30 +6052,14 @@
           <a:p>
             <a:pPr algn="ctr"/>
             <a:r>
-              <a:rPr lang="en-US" sz="4267" b="1" dirty="0">
+              <a:rPr lang="en-US" sz="3600" b="1" dirty="0">
                 <a:solidFill>
                   <a:srgbClr val="000066"/>
                 </a:solidFill>
               </a:rPr>
-              <a:t>( </a:t>
-            </a:r>
-            <a:r>
-              <a:rPr lang="en-US" sz="4267" b="1" dirty="0" smtClean="0">
-                <a:solidFill>
-                  <a:srgbClr val="000066"/>
-                </a:solidFill>
-              </a:rPr>
-              <a:t>3 </a:t>
-            </a:r>
-            <a:r>
-              <a:rPr lang="en-US" sz="4267" b="1" dirty="0">
-                <a:solidFill>
-                  <a:srgbClr val="000066"/>
-                </a:solidFill>
-              </a:rPr>
-              <a:t>)</a:t>
-            </a:r>
-            <a:endParaRPr lang="vi-VN" sz="4267" b="1" dirty="0">
+              <a:t>( 3 / 3 )</a:t>
+            </a:r>
+            <a:endParaRPr lang="vi-VN" sz="3600" b="1" dirty="0">
               <a:solidFill>
                 <a:srgbClr val="000066"/>
               </a:solidFill>
@@ -6464,7 +6336,7 @@
         <p:spPr>
           <a:xfrm>
             <a:off x="0" y="5253203"/>
-            <a:ext cx="12192000" cy="748988"/>
+            <a:ext cx="12192000" cy="646331"/>
           </a:xfrm>
           <a:prstGeom prst="rect">
             <a:avLst/>
@@ -6479,30 +6351,14 @@
           <a:p>
             <a:pPr algn="ctr"/>
             <a:r>
-              <a:rPr lang="en-US" sz="4267" b="1" dirty="0">
+              <a:rPr lang="en-US" sz="3600" b="1" dirty="0">
                 <a:solidFill>
                   <a:srgbClr val="000066"/>
                 </a:solidFill>
               </a:rPr>
-              <a:t>( </a:t>
-            </a:r>
-            <a:r>
-              <a:rPr lang="en-US" sz="4267" b="1" dirty="0" smtClean="0">
-                <a:solidFill>
-                  <a:srgbClr val="000066"/>
-                </a:solidFill>
-              </a:rPr>
-              <a:t>3 </a:t>
-            </a:r>
-            <a:r>
-              <a:rPr lang="en-US" sz="4267" b="1" dirty="0">
-                <a:solidFill>
-                  <a:srgbClr val="000066"/>
-                </a:solidFill>
-              </a:rPr>
-              <a:t>)</a:t>
-            </a:r>
-            <a:endParaRPr lang="vi-VN" sz="4267" b="1" dirty="0">
+              <a:t>( 3 / 3 )</a:t>
+            </a:r>
+            <a:endParaRPr lang="vi-VN" sz="3600" b="1" dirty="0">
               <a:solidFill>
                 <a:srgbClr val="000066"/>
               </a:solidFill>
@@ -6830,7 +6686,7 @@
         <p:spPr>
           <a:xfrm>
             <a:off x="0" y="5253203"/>
-            <a:ext cx="12192000" cy="748988"/>
+            <a:ext cx="12192000" cy="646331"/>
           </a:xfrm>
           <a:prstGeom prst="rect">
             <a:avLst/>
@@ -6845,14 +6701,30 @@
           <a:p>
             <a:pPr algn="ctr"/>
             <a:r>
-              <a:rPr lang="en-US" sz="4267" b="1" dirty="0">
+              <a:rPr lang="en-US" sz="3600" b="1" dirty="0">
                 <a:solidFill>
                   <a:srgbClr val="000066"/>
                 </a:solidFill>
               </a:rPr>
-              <a:t>( 1 )</a:t>
-            </a:r>
-            <a:endParaRPr lang="vi-VN" sz="4267" b="1" dirty="0">
+              <a:t>( </a:t>
+            </a:r>
+            <a:r>
+              <a:rPr lang="en-US" sz="3600" b="1" dirty="0" smtClean="0">
+                <a:solidFill>
+                  <a:srgbClr val="000066"/>
+                </a:solidFill>
+              </a:rPr>
+              <a:t>1 / 3 </a:t>
+            </a:r>
+            <a:r>
+              <a:rPr lang="en-US" sz="3600" b="1" dirty="0">
+                <a:solidFill>
+                  <a:srgbClr val="000066"/>
+                </a:solidFill>
+              </a:rPr>
+              <a:t>)</a:t>
+            </a:r>
+            <a:endParaRPr lang="vi-VN" sz="3600" b="1" dirty="0">
               <a:solidFill>
                 <a:srgbClr val="000066"/>
               </a:solidFill>
@@ -7149,7 +7021,7 @@
         <p:spPr>
           <a:xfrm>
             <a:off x="0" y="5253203"/>
-            <a:ext cx="12192000" cy="748988"/>
+            <a:ext cx="12192000" cy="646331"/>
           </a:xfrm>
           <a:prstGeom prst="rect">
             <a:avLst/>
@@ -7164,14 +7036,14 @@
           <a:p>
             <a:pPr algn="ctr"/>
             <a:r>
-              <a:rPr lang="en-US" sz="4267" b="1" dirty="0">
+              <a:rPr lang="en-US" sz="3600" b="1" dirty="0">
                 <a:solidFill>
                   <a:srgbClr val="000066"/>
                 </a:solidFill>
               </a:rPr>
-              <a:t>( 1 )</a:t>
-            </a:r>
-            <a:endParaRPr lang="vi-VN" sz="4267" b="1" dirty="0">
+              <a:t>( 1 / 3 )</a:t>
+            </a:r>
+            <a:endParaRPr lang="vi-VN" sz="3600" b="1" dirty="0">
               <a:solidFill>
                 <a:srgbClr val="000066"/>
               </a:solidFill>
@@ -7448,7 +7320,7 @@
         <p:spPr>
           <a:xfrm>
             <a:off x="0" y="5253203"/>
-            <a:ext cx="12192000" cy="748988"/>
+            <a:ext cx="12192000" cy="646331"/>
           </a:xfrm>
           <a:prstGeom prst="rect">
             <a:avLst/>
@@ -7463,14 +7335,14 @@
           <a:p>
             <a:pPr algn="ctr"/>
             <a:r>
-              <a:rPr lang="en-US" sz="4267" b="1" dirty="0">
+              <a:rPr lang="en-US" sz="3600" b="1" dirty="0">
                 <a:solidFill>
                   <a:srgbClr val="000066"/>
                 </a:solidFill>
               </a:rPr>
-              <a:t>( 1 )</a:t>
-            </a:r>
-            <a:endParaRPr lang="vi-VN" sz="4267" b="1" dirty="0">
+              <a:t>( 1 / 3 )</a:t>
+            </a:r>
+            <a:endParaRPr lang="vi-VN" sz="3600" b="1" dirty="0">
               <a:solidFill>
                 <a:srgbClr val="000066"/>
               </a:solidFill>
@@ -7747,7 +7619,7 @@
         <p:spPr>
           <a:xfrm>
             <a:off x="0" y="5253203"/>
-            <a:ext cx="12192000" cy="748988"/>
+            <a:ext cx="12192000" cy="646331"/>
           </a:xfrm>
           <a:prstGeom prst="rect">
             <a:avLst/>
@@ -7762,14 +7634,14 @@
           <a:p>
             <a:pPr algn="ctr"/>
             <a:r>
-              <a:rPr lang="en-US" sz="4267" b="1" dirty="0">
+              <a:rPr lang="en-US" sz="3600" b="1" dirty="0">
                 <a:solidFill>
                   <a:srgbClr val="000066"/>
                 </a:solidFill>
               </a:rPr>
-              <a:t>( 1 )</a:t>
-            </a:r>
-            <a:endParaRPr lang="vi-VN" sz="4267" b="1" dirty="0">
+              <a:t>( 1 / 3 )</a:t>
+            </a:r>
+            <a:endParaRPr lang="vi-VN" sz="3600" b="1" dirty="0">
               <a:solidFill>
                 <a:srgbClr val="000066"/>
               </a:solidFill>
@@ -8046,7 +7918,7 @@
         <p:spPr>
           <a:xfrm>
             <a:off x="0" y="5253203"/>
-            <a:ext cx="12192000" cy="748988"/>
+            <a:ext cx="12192000" cy="646331"/>
           </a:xfrm>
           <a:prstGeom prst="rect">
             <a:avLst/>
@@ -8061,14 +7933,14 @@
           <a:p>
             <a:pPr algn="ctr"/>
             <a:r>
-              <a:rPr lang="en-US" sz="4267" b="1" dirty="0">
+              <a:rPr lang="en-US" sz="3600" b="1" dirty="0">
                 <a:solidFill>
                   <a:srgbClr val="000066"/>
                 </a:solidFill>
               </a:rPr>
-              <a:t>( 1 )</a:t>
-            </a:r>
-            <a:endParaRPr lang="vi-VN" sz="4267" b="1" dirty="0">
+              <a:t>( 1 / 3 )</a:t>
+            </a:r>
+            <a:endParaRPr lang="vi-VN" sz="3600" b="1" dirty="0">
               <a:solidFill>
                 <a:srgbClr val="000066"/>
               </a:solidFill>
@@ -8345,7 +8217,7 @@
         <p:spPr>
           <a:xfrm>
             <a:off x="0" y="5253203"/>
-            <a:ext cx="12192000" cy="748988"/>
+            <a:ext cx="12192000" cy="646331"/>
           </a:xfrm>
           <a:prstGeom prst="rect">
             <a:avLst/>
@@ -8360,14 +8232,14 @@
           <a:p>
             <a:pPr algn="ctr"/>
             <a:r>
-              <a:rPr lang="en-US" sz="4267" b="1" dirty="0">
+              <a:rPr lang="en-US" sz="3600" b="1" dirty="0">
                 <a:solidFill>
                   <a:srgbClr val="000066"/>
                 </a:solidFill>
               </a:rPr>
-              <a:t>( 1 )</a:t>
-            </a:r>
-            <a:endParaRPr lang="vi-VN" sz="4267" b="1" dirty="0">
+              <a:t>( 1 / 3 )</a:t>
+            </a:r>
+            <a:endParaRPr lang="vi-VN" sz="3600" b="1" dirty="0">
               <a:solidFill>
                 <a:srgbClr val="000066"/>
               </a:solidFill>
@@ -8695,7 +8567,7 @@
         <p:spPr>
           <a:xfrm>
             <a:off x="0" y="5253203"/>
-            <a:ext cx="12192000" cy="748988"/>
+            <a:ext cx="12192000" cy="646331"/>
           </a:xfrm>
           <a:prstGeom prst="rect">
             <a:avLst/>
@@ -8710,7 +8582,7 @@
           <a:p>
             <a:pPr algn="ctr"/>
             <a:r>
-              <a:rPr lang="en-US" sz="4267" b="1" dirty="0">
+              <a:rPr lang="en-US" sz="3600" b="1" dirty="0">
                 <a:solidFill>
                   <a:srgbClr val="000066"/>
                 </a:solidFill>
@@ -8718,7 +8590,7 @@
               <a:t>( </a:t>
             </a:r>
             <a:r>
-              <a:rPr lang="en-US" sz="4267" b="1" dirty="0" smtClean="0">
+              <a:rPr lang="en-US" sz="3600" b="1" dirty="0">
                 <a:solidFill>
                   <a:srgbClr val="000066"/>
                 </a:solidFill>
@@ -8726,14 +8598,14 @@
               <a:t>2 </a:t>
             </a:r>
             <a:r>
-              <a:rPr lang="en-US" sz="4267" b="1" dirty="0">
+              <a:rPr lang="en-US" sz="3600" b="1" dirty="0">
                 <a:solidFill>
                   <a:srgbClr val="000066"/>
                 </a:solidFill>
               </a:rPr>
-              <a:t>)</a:t>
-            </a:r>
-            <a:endParaRPr lang="vi-VN" sz="4267" b="1" dirty="0">
+              <a:t>/ 3 )</a:t>
+            </a:r>
+            <a:endParaRPr lang="vi-VN" sz="3600" b="1" dirty="0">
               <a:solidFill>
                 <a:srgbClr val="000066"/>
               </a:solidFill>
@@ -9030,7 +8902,7 @@
         <p:spPr>
           <a:xfrm>
             <a:off x="0" y="5253203"/>
-            <a:ext cx="12192000" cy="748988"/>
+            <a:ext cx="12192000" cy="646331"/>
           </a:xfrm>
           <a:prstGeom prst="rect">
             <a:avLst/>
@@ -9045,30 +8917,14 @@
           <a:p>
             <a:pPr algn="ctr"/>
             <a:r>
-              <a:rPr lang="en-US" sz="4267" b="1" dirty="0">
+              <a:rPr lang="en-US" sz="3600" b="1" dirty="0">
                 <a:solidFill>
                   <a:srgbClr val="000066"/>
                 </a:solidFill>
               </a:rPr>
-              <a:t>( </a:t>
-            </a:r>
-            <a:r>
-              <a:rPr lang="en-US" sz="4267" b="1" dirty="0" smtClean="0">
-                <a:solidFill>
-                  <a:srgbClr val="000066"/>
-                </a:solidFill>
-              </a:rPr>
-              <a:t>2 </a:t>
-            </a:r>
-            <a:r>
-              <a:rPr lang="en-US" sz="4267" b="1" dirty="0">
-                <a:solidFill>
-                  <a:srgbClr val="000066"/>
-                </a:solidFill>
-              </a:rPr>
-              <a:t>)</a:t>
-            </a:r>
-            <a:endParaRPr lang="vi-VN" sz="4267" b="1" dirty="0">
+              <a:t>( 2 / 3 )</a:t>
+            </a:r>
+            <a:endParaRPr lang="vi-VN" sz="3600" b="1" dirty="0">
               <a:solidFill>
                 <a:srgbClr val="000066"/>
               </a:solidFill>
